--- a/2DGP_Project/Run&Return/이미지제작/이미지제작용.pptx
+++ b/2DGP_Project/Run&Return/이미지제작/이미지제작용.pptx
@@ -260,7 +260,7 @@
           <a:p>
             <a:fld id="{0CCA0E59-4C7B-4A67-9185-E4A7154D88F6}" type="datetimeFigureOut">
               <a:rPr lang="ko-KR" altLang="en-US" smtClean="0"/>
-              <a:t>2018-10-19</a:t>
+              <a:t>2018-11-21</a:t>
             </a:fld>
             <a:endParaRPr lang="ko-KR" altLang="en-US"/>
           </a:p>
@@ -458,7 +458,7 @@
           <a:p>
             <a:fld id="{0CCA0E59-4C7B-4A67-9185-E4A7154D88F6}" type="datetimeFigureOut">
               <a:rPr lang="ko-KR" altLang="en-US" smtClean="0"/>
-              <a:t>2018-10-19</a:t>
+              <a:t>2018-11-21</a:t>
             </a:fld>
             <a:endParaRPr lang="ko-KR" altLang="en-US"/>
           </a:p>
@@ -666,7 +666,7 @@
           <a:p>
             <a:fld id="{0CCA0E59-4C7B-4A67-9185-E4A7154D88F6}" type="datetimeFigureOut">
               <a:rPr lang="ko-KR" altLang="en-US" smtClean="0"/>
-              <a:t>2018-10-19</a:t>
+              <a:t>2018-11-21</a:t>
             </a:fld>
             <a:endParaRPr lang="ko-KR" altLang="en-US"/>
           </a:p>
@@ -864,7 +864,7 @@
           <a:p>
             <a:fld id="{0CCA0E59-4C7B-4A67-9185-E4A7154D88F6}" type="datetimeFigureOut">
               <a:rPr lang="ko-KR" altLang="en-US" smtClean="0"/>
-              <a:t>2018-10-19</a:t>
+              <a:t>2018-11-21</a:t>
             </a:fld>
             <a:endParaRPr lang="ko-KR" altLang="en-US"/>
           </a:p>
@@ -1139,7 +1139,7 @@
           <a:p>
             <a:fld id="{0CCA0E59-4C7B-4A67-9185-E4A7154D88F6}" type="datetimeFigureOut">
               <a:rPr lang="ko-KR" altLang="en-US" smtClean="0"/>
-              <a:t>2018-10-19</a:t>
+              <a:t>2018-11-21</a:t>
             </a:fld>
             <a:endParaRPr lang="ko-KR" altLang="en-US"/>
           </a:p>
@@ -1404,7 +1404,7 @@
           <a:p>
             <a:fld id="{0CCA0E59-4C7B-4A67-9185-E4A7154D88F6}" type="datetimeFigureOut">
               <a:rPr lang="ko-KR" altLang="en-US" smtClean="0"/>
-              <a:t>2018-10-19</a:t>
+              <a:t>2018-11-21</a:t>
             </a:fld>
             <a:endParaRPr lang="ko-KR" altLang="en-US"/>
           </a:p>
@@ -1816,7 +1816,7 @@
           <a:p>
             <a:fld id="{0CCA0E59-4C7B-4A67-9185-E4A7154D88F6}" type="datetimeFigureOut">
               <a:rPr lang="ko-KR" altLang="en-US" smtClean="0"/>
-              <a:t>2018-10-19</a:t>
+              <a:t>2018-11-21</a:t>
             </a:fld>
             <a:endParaRPr lang="ko-KR" altLang="en-US"/>
           </a:p>
@@ -1957,7 +1957,7 @@
           <a:p>
             <a:fld id="{0CCA0E59-4C7B-4A67-9185-E4A7154D88F6}" type="datetimeFigureOut">
               <a:rPr lang="ko-KR" altLang="en-US" smtClean="0"/>
-              <a:t>2018-10-19</a:t>
+              <a:t>2018-11-21</a:t>
             </a:fld>
             <a:endParaRPr lang="ko-KR" altLang="en-US"/>
           </a:p>
@@ -2070,7 +2070,7 @@
           <a:p>
             <a:fld id="{0CCA0E59-4C7B-4A67-9185-E4A7154D88F6}" type="datetimeFigureOut">
               <a:rPr lang="ko-KR" altLang="en-US" smtClean="0"/>
-              <a:t>2018-10-19</a:t>
+              <a:t>2018-11-21</a:t>
             </a:fld>
             <a:endParaRPr lang="ko-KR" altLang="en-US"/>
           </a:p>
@@ -2381,7 +2381,7 @@
           <a:p>
             <a:fld id="{0CCA0E59-4C7B-4A67-9185-E4A7154D88F6}" type="datetimeFigureOut">
               <a:rPr lang="ko-KR" altLang="en-US" smtClean="0"/>
-              <a:t>2018-10-19</a:t>
+              <a:t>2018-11-21</a:t>
             </a:fld>
             <a:endParaRPr lang="ko-KR" altLang="en-US"/>
           </a:p>
@@ -2669,7 +2669,7 @@
           <a:p>
             <a:fld id="{0CCA0E59-4C7B-4A67-9185-E4A7154D88F6}" type="datetimeFigureOut">
               <a:rPr lang="ko-KR" altLang="en-US" smtClean="0"/>
-              <a:t>2018-10-19</a:t>
+              <a:t>2018-11-21</a:t>
             </a:fld>
             <a:endParaRPr lang="ko-KR" altLang="en-US"/>
           </a:p>
@@ -2910,7 +2910,7 @@
           <a:p>
             <a:fld id="{0CCA0E59-4C7B-4A67-9185-E4A7154D88F6}" type="datetimeFigureOut">
               <a:rPr lang="ko-KR" altLang="en-US" smtClean="0"/>
-              <a:t>2018-10-19</a:t>
+              <a:t>2018-11-21</a:t>
             </a:fld>
             <a:endParaRPr lang="ko-KR" altLang="en-US"/>
           </a:p>
@@ -4540,6 +4540,226 @@
           </p:txBody>
         </p:sp>
       </p:grpSp>
+      <p:sp>
+        <p:nvSpPr>
+          <p:cNvPr id="39" name="TextBox 38">
+            <a:extLst>
+              <a:ext uri="{FF2B5EF4-FFF2-40B4-BE49-F238E27FC236}">
+                <a16:creationId xmlns:a16="http://schemas.microsoft.com/office/drawing/2014/main" id="{F42B929A-64DE-4ACB-B847-C26679FA5834}"/>
+              </a:ext>
+            </a:extLst>
+          </p:cNvPr>
+          <p:cNvSpPr txBox="1"/>
+          <p:nvPr/>
+        </p:nvSpPr>
+        <p:spPr>
+          <a:xfrm>
+            <a:off x="6096000" y="5278963"/>
+            <a:ext cx="1648441" cy="523220"/>
+          </a:xfrm>
+          <a:prstGeom prst="rect">
+            <a:avLst/>
+          </a:prstGeom>
+          <a:solidFill>
+            <a:schemeClr val="bg1"/>
+          </a:solidFill>
+          <a:scene3d>
+            <a:camera prst="orthographicFront"/>
+            <a:lightRig rig="threePt" dir="t"/>
+          </a:scene3d>
+          <a:sp3d>
+            <a:bevelT/>
+          </a:sp3d>
+        </p:spPr>
+        <p:txBody>
+          <a:bodyPr wrap="square" rtlCol="0">
+            <a:spAutoFit/>
+          </a:bodyPr>
+          <a:lstStyle/>
+          <a:p>
+            <a:r>
+              <a:rPr lang="ko-KR" altLang="en-US" sz="2800" dirty="0"/>
+              <a:t>돌아가기</a:t>
+            </a:r>
+          </a:p>
+        </p:txBody>
+      </p:sp>
+      <p:sp>
+        <p:nvSpPr>
+          <p:cNvPr id="41" name="TextBox 40">
+            <a:extLst>
+              <a:ext uri="{FF2B5EF4-FFF2-40B4-BE49-F238E27FC236}">
+                <a16:creationId xmlns:a16="http://schemas.microsoft.com/office/drawing/2014/main" id="{873EAF49-940B-48DD-BA22-BB7495CF20F9}"/>
+              </a:ext>
+            </a:extLst>
+          </p:cNvPr>
+          <p:cNvSpPr txBox="1"/>
+          <p:nvPr/>
+        </p:nvSpPr>
+        <p:spPr>
+          <a:xfrm>
+            <a:off x="1917700" y="5380440"/>
+            <a:ext cx="1644743" cy="523220"/>
+          </a:xfrm>
+          <a:prstGeom prst="rect">
+            <a:avLst/>
+          </a:prstGeom>
+          <a:solidFill>
+            <a:schemeClr val="tx1"/>
+          </a:solidFill>
+        </p:spPr>
+        <p:txBody>
+          <a:bodyPr wrap="square" rtlCol="0">
+            <a:spAutoFit/>
+          </a:bodyPr>
+          <a:lstStyle/>
+          <a:p>
+            <a:r>
+              <a:rPr lang="ko-KR" altLang="en-US" sz="2800" dirty="0" err="1">
+                <a:solidFill>
+                  <a:schemeClr val="bg1"/>
+                </a:solidFill>
+              </a:rPr>
+              <a:t>메인메뉴</a:t>
+            </a:r>
+            <a:endParaRPr lang="ko-KR" altLang="en-US" sz="2800" dirty="0">
+              <a:solidFill>
+                <a:schemeClr val="bg1"/>
+              </a:solidFill>
+            </a:endParaRPr>
+          </a:p>
+        </p:txBody>
+      </p:sp>
+      <p:sp>
+        <p:nvSpPr>
+          <p:cNvPr id="42" name="TextBox 41">
+            <a:extLst>
+              <a:ext uri="{FF2B5EF4-FFF2-40B4-BE49-F238E27FC236}">
+                <a16:creationId xmlns:a16="http://schemas.microsoft.com/office/drawing/2014/main" id="{FDD48E99-24DF-4C29-A907-EBB83C453767}"/>
+              </a:ext>
+            </a:extLst>
+          </p:cNvPr>
+          <p:cNvSpPr txBox="1"/>
+          <p:nvPr/>
+        </p:nvSpPr>
+        <p:spPr>
+          <a:xfrm>
+            <a:off x="3562443" y="5380440"/>
+            <a:ext cx="1648441" cy="523220"/>
+          </a:xfrm>
+          <a:prstGeom prst="rect">
+            <a:avLst/>
+          </a:prstGeom>
+          <a:solidFill>
+            <a:schemeClr val="bg1"/>
+          </a:solidFill>
+          <a:scene3d>
+            <a:camera prst="orthographicFront"/>
+            <a:lightRig rig="threePt" dir="t"/>
+          </a:scene3d>
+          <a:sp3d>
+            <a:bevelT/>
+          </a:sp3d>
+        </p:spPr>
+        <p:txBody>
+          <a:bodyPr wrap="square" rtlCol="0">
+            <a:spAutoFit/>
+          </a:bodyPr>
+          <a:lstStyle/>
+          <a:p>
+            <a:r>
+              <a:rPr lang="ko-KR" altLang="en-US" sz="2800" dirty="0" err="1"/>
+              <a:t>메인메뉴</a:t>
+            </a:r>
+            <a:endParaRPr lang="ko-KR" altLang="en-US" sz="2800" dirty="0"/>
+          </a:p>
+        </p:txBody>
+      </p:sp>
+      <p:sp>
+        <p:nvSpPr>
+          <p:cNvPr id="44" name="TextBox 43">
+            <a:extLst>
+              <a:ext uri="{FF2B5EF4-FFF2-40B4-BE49-F238E27FC236}">
+                <a16:creationId xmlns:a16="http://schemas.microsoft.com/office/drawing/2014/main" id="{ED26FD52-C601-4EE9-B0E3-CFC126530F83}"/>
+              </a:ext>
+            </a:extLst>
+          </p:cNvPr>
+          <p:cNvSpPr txBox="1"/>
+          <p:nvPr/>
+        </p:nvSpPr>
+        <p:spPr>
+          <a:xfrm>
+            <a:off x="1917700" y="6157356"/>
+            <a:ext cx="1644743" cy="523220"/>
+          </a:xfrm>
+          <a:prstGeom prst="rect">
+            <a:avLst/>
+          </a:prstGeom>
+          <a:solidFill>
+            <a:schemeClr val="tx1"/>
+          </a:solidFill>
+        </p:spPr>
+        <p:txBody>
+          <a:bodyPr wrap="square" rtlCol="0">
+            <a:spAutoFit/>
+          </a:bodyPr>
+          <a:lstStyle/>
+          <a:p>
+            <a:r>
+              <a:rPr lang="ko-KR" altLang="en-US" sz="2800" dirty="0">
+                <a:solidFill>
+                  <a:schemeClr val="bg1"/>
+                </a:solidFill>
+              </a:rPr>
+              <a:t>게임종료</a:t>
+            </a:r>
+          </a:p>
+        </p:txBody>
+      </p:sp>
+      <p:sp>
+        <p:nvSpPr>
+          <p:cNvPr id="45" name="TextBox 44">
+            <a:extLst>
+              <a:ext uri="{FF2B5EF4-FFF2-40B4-BE49-F238E27FC236}">
+                <a16:creationId xmlns:a16="http://schemas.microsoft.com/office/drawing/2014/main" id="{18ABCEAC-0796-44F0-9E52-49146DFA5397}"/>
+              </a:ext>
+            </a:extLst>
+          </p:cNvPr>
+          <p:cNvSpPr txBox="1"/>
+          <p:nvPr/>
+        </p:nvSpPr>
+        <p:spPr>
+          <a:xfrm>
+            <a:off x="3562443" y="6157356"/>
+            <a:ext cx="1648441" cy="523220"/>
+          </a:xfrm>
+          <a:prstGeom prst="rect">
+            <a:avLst/>
+          </a:prstGeom>
+          <a:solidFill>
+            <a:schemeClr val="bg1"/>
+          </a:solidFill>
+          <a:scene3d>
+            <a:camera prst="orthographicFront"/>
+            <a:lightRig rig="threePt" dir="t"/>
+          </a:scene3d>
+          <a:sp3d>
+            <a:bevelT/>
+          </a:sp3d>
+        </p:spPr>
+        <p:txBody>
+          <a:bodyPr wrap="square" rtlCol="0">
+            <a:spAutoFit/>
+          </a:bodyPr>
+          <a:lstStyle/>
+          <a:p>
+            <a:r>
+              <a:rPr lang="ko-KR" altLang="en-US" sz="2800" dirty="0"/>
+              <a:t>게임종료</a:t>
+            </a:r>
+          </a:p>
+        </p:txBody>
+      </p:sp>
     </p:spTree>
     <p:extLst>
       <p:ext uri="{BB962C8B-B14F-4D97-AF65-F5344CB8AC3E}">

--- a/2DGP_Project/Run&Return/이미지제작/이미지제작용.pptx
+++ b/2DGP_Project/Run&Return/이미지제작/이미지제작용.pptx
@@ -260,7 +260,7 @@
           <a:p>
             <a:fld id="{0CCA0E59-4C7B-4A67-9185-E4A7154D88F6}" type="datetimeFigureOut">
               <a:rPr lang="ko-KR" altLang="en-US" smtClean="0"/>
-              <a:t>2018-11-21</a:t>
+              <a:t>2018-11-30</a:t>
             </a:fld>
             <a:endParaRPr lang="ko-KR" altLang="en-US"/>
           </a:p>
@@ -458,7 +458,7 @@
           <a:p>
             <a:fld id="{0CCA0E59-4C7B-4A67-9185-E4A7154D88F6}" type="datetimeFigureOut">
               <a:rPr lang="ko-KR" altLang="en-US" smtClean="0"/>
-              <a:t>2018-11-21</a:t>
+              <a:t>2018-11-30</a:t>
             </a:fld>
             <a:endParaRPr lang="ko-KR" altLang="en-US"/>
           </a:p>
@@ -666,7 +666,7 @@
           <a:p>
             <a:fld id="{0CCA0E59-4C7B-4A67-9185-E4A7154D88F6}" type="datetimeFigureOut">
               <a:rPr lang="ko-KR" altLang="en-US" smtClean="0"/>
-              <a:t>2018-11-21</a:t>
+              <a:t>2018-11-30</a:t>
             </a:fld>
             <a:endParaRPr lang="ko-KR" altLang="en-US"/>
           </a:p>
@@ -864,7 +864,7 @@
           <a:p>
             <a:fld id="{0CCA0E59-4C7B-4A67-9185-E4A7154D88F6}" type="datetimeFigureOut">
               <a:rPr lang="ko-KR" altLang="en-US" smtClean="0"/>
-              <a:t>2018-11-21</a:t>
+              <a:t>2018-11-30</a:t>
             </a:fld>
             <a:endParaRPr lang="ko-KR" altLang="en-US"/>
           </a:p>
@@ -1139,7 +1139,7 @@
           <a:p>
             <a:fld id="{0CCA0E59-4C7B-4A67-9185-E4A7154D88F6}" type="datetimeFigureOut">
               <a:rPr lang="ko-KR" altLang="en-US" smtClean="0"/>
-              <a:t>2018-11-21</a:t>
+              <a:t>2018-11-30</a:t>
             </a:fld>
             <a:endParaRPr lang="ko-KR" altLang="en-US"/>
           </a:p>
@@ -1404,7 +1404,7 @@
           <a:p>
             <a:fld id="{0CCA0E59-4C7B-4A67-9185-E4A7154D88F6}" type="datetimeFigureOut">
               <a:rPr lang="ko-KR" altLang="en-US" smtClean="0"/>
-              <a:t>2018-11-21</a:t>
+              <a:t>2018-11-30</a:t>
             </a:fld>
             <a:endParaRPr lang="ko-KR" altLang="en-US"/>
           </a:p>
@@ -1816,7 +1816,7 @@
           <a:p>
             <a:fld id="{0CCA0E59-4C7B-4A67-9185-E4A7154D88F6}" type="datetimeFigureOut">
               <a:rPr lang="ko-KR" altLang="en-US" smtClean="0"/>
-              <a:t>2018-11-21</a:t>
+              <a:t>2018-11-30</a:t>
             </a:fld>
             <a:endParaRPr lang="ko-KR" altLang="en-US"/>
           </a:p>
@@ -1957,7 +1957,7 @@
           <a:p>
             <a:fld id="{0CCA0E59-4C7B-4A67-9185-E4A7154D88F6}" type="datetimeFigureOut">
               <a:rPr lang="ko-KR" altLang="en-US" smtClean="0"/>
-              <a:t>2018-11-21</a:t>
+              <a:t>2018-11-30</a:t>
             </a:fld>
             <a:endParaRPr lang="ko-KR" altLang="en-US"/>
           </a:p>
@@ -2070,7 +2070,7 @@
           <a:p>
             <a:fld id="{0CCA0E59-4C7B-4A67-9185-E4A7154D88F6}" type="datetimeFigureOut">
               <a:rPr lang="ko-KR" altLang="en-US" smtClean="0"/>
-              <a:t>2018-11-21</a:t>
+              <a:t>2018-11-30</a:t>
             </a:fld>
             <a:endParaRPr lang="ko-KR" altLang="en-US"/>
           </a:p>
@@ -2381,7 +2381,7 @@
           <a:p>
             <a:fld id="{0CCA0E59-4C7B-4A67-9185-E4A7154D88F6}" type="datetimeFigureOut">
               <a:rPr lang="ko-KR" altLang="en-US" smtClean="0"/>
-              <a:t>2018-11-21</a:t>
+              <a:t>2018-11-30</a:t>
             </a:fld>
             <a:endParaRPr lang="ko-KR" altLang="en-US"/>
           </a:p>
@@ -2669,7 +2669,7 @@
           <a:p>
             <a:fld id="{0CCA0E59-4C7B-4A67-9185-E4A7154D88F6}" type="datetimeFigureOut">
               <a:rPr lang="ko-KR" altLang="en-US" smtClean="0"/>
-              <a:t>2018-11-21</a:t>
+              <a:t>2018-11-30</a:t>
             </a:fld>
             <a:endParaRPr lang="ko-KR" altLang="en-US"/>
           </a:p>
@@ -2910,7 +2910,7 @@
           <a:p>
             <a:fld id="{0CCA0E59-4C7B-4A67-9185-E4A7154D88F6}" type="datetimeFigureOut">
               <a:rPr lang="ko-KR" altLang="en-US" smtClean="0"/>
-              <a:t>2018-11-21</a:t>
+              <a:t>2018-11-30</a:t>
             </a:fld>
             <a:endParaRPr lang="ko-KR" altLang="en-US"/>
           </a:p>
@@ -4615,18 +4615,13 @@
           <a:lstStyle/>
           <a:p>
             <a:r>
-              <a:rPr lang="ko-KR" altLang="en-US" sz="2800" dirty="0" err="1">
+              <a:rPr lang="ko-KR" altLang="en-US" sz="2800" dirty="0">
                 <a:solidFill>
                   <a:schemeClr val="bg1"/>
                 </a:solidFill>
               </a:rPr>
-              <a:t>메인메뉴</a:t>
-            </a:r>
-            <a:endParaRPr lang="ko-KR" altLang="en-US" sz="2800" dirty="0">
-              <a:solidFill>
-                <a:schemeClr val="bg1"/>
-              </a:solidFill>
-            </a:endParaRPr>
+              <a:t>게임시작</a:t>
+            </a:r>
           </a:p>
         </p:txBody>
       </p:sp>
@@ -4668,10 +4663,9 @@
           <a:lstStyle/>
           <a:p>
             <a:r>
-              <a:rPr lang="ko-KR" altLang="en-US" sz="2800" dirty="0" err="1"/>
-              <a:t>메인메뉴</a:t>
-            </a:r>
-            <a:endParaRPr lang="ko-KR" altLang="en-US" sz="2800" dirty="0"/>
+              <a:rPr lang="ko-KR" altLang="en-US" sz="2800" dirty="0"/>
+              <a:t>게임종료</a:t>
+            </a:r>
           </a:p>
         </p:txBody>
       </p:sp>

--- a/2DGP_Project/Run&Return/이미지제작/이미지제작용.pptx
+++ b/2DGP_Project/Run&Return/이미지제작/이미지제작용.pptx
@@ -4664,7 +4664,7 @@
           <a:p>
             <a:r>
               <a:rPr lang="ko-KR" altLang="en-US" sz="2800" dirty="0"/>
-              <a:t>게임종료</a:t>
+              <a:t>게임시작</a:t>
             </a:r>
           </a:p>
         </p:txBody>
